--- a/ppt 16-9/1041.赶路.pptx
+++ b/ppt 16-9/1041.赶路.pptx
@@ -5,7 +5,7 @@
     <p:sldMasterId id="2147483648" r:id="rId1"/>
   </p:sldMasterIdLst>
   <p:sldIdLst>
-    <p:sldId id="473" r:id="rId2"/>
+    <p:sldId id="475" r:id="rId2"/>
   </p:sldIdLst>
   <p:sldSz cx="12192000" cy="6858000"/>
   <p:notesSz cx="6858000" cy="9144000"/>
@@ -129,7 +129,7 @@
           <p:cNvPr id="2" name="标题 1">
             <a:extLst>
               <a:ext uri="{FF2B5EF4-FFF2-40B4-BE49-F238E27FC236}">
-                <a16:creationId xmlns:a16="http://schemas.microsoft.com/office/drawing/2014/main" id="{BA924CD0-7576-A67B-3BA7-AFF5880433AE}"/>
+                <a16:creationId xmlns:a16="http://schemas.microsoft.com/office/drawing/2014/main" id="{5D644BBF-7ACC-B2EE-889D-85FBBDD5B0E0}"/>
               </a:ext>
             </a:extLst>
           </p:cNvPr>
@@ -166,7 +166,7 @@
           <p:cNvPr id="3" name="副标题 2">
             <a:extLst>
               <a:ext uri="{FF2B5EF4-FFF2-40B4-BE49-F238E27FC236}">
-                <a16:creationId xmlns:a16="http://schemas.microsoft.com/office/drawing/2014/main" id="{B276F5FF-DF13-311E-9318-40F82714DCBD}"/>
+                <a16:creationId xmlns:a16="http://schemas.microsoft.com/office/drawing/2014/main" id="{91767408-8E07-9A1C-8C78-ADAB1AF8A61A}"/>
               </a:ext>
             </a:extLst>
           </p:cNvPr>
@@ -236,7 +236,7 @@
           <p:cNvPr id="4" name="日期占位符 3">
             <a:extLst>
               <a:ext uri="{FF2B5EF4-FFF2-40B4-BE49-F238E27FC236}">
-                <a16:creationId xmlns:a16="http://schemas.microsoft.com/office/drawing/2014/main" id="{1C86F2AE-79EB-DCE3-E529-4CE47F9A5EA1}"/>
+                <a16:creationId xmlns:a16="http://schemas.microsoft.com/office/drawing/2014/main" id="{AFE1B0D0-62E0-B049-5BC9-FD43E15682B3}"/>
               </a:ext>
             </a:extLst>
           </p:cNvPr>
@@ -252,7 +252,7 @@
           <a:bodyPr/>
           <a:lstStyle/>
           <a:p>
-            <a:fld id="{D63BD50E-9FDA-43EA-B586-0F94B9EE3679}" type="datetimeFigureOut">
+            <a:fld id="{BD1A7342-8268-40F1-BF56-689A95CE2FCD}" type="datetimeFigureOut">
               <a:rPr lang="zh-CN" altLang="en-US" smtClean="0"/>
               <a:t>2024/3/10</a:t>
             </a:fld>
@@ -265,7 +265,7 @@
           <p:cNvPr id="5" name="页脚占位符 4">
             <a:extLst>
               <a:ext uri="{FF2B5EF4-FFF2-40B4-BE49-F238E27FC236}">
-                <a16:creationId xmlns:a16="http://schemas.microsoft.com/office/drawing/2014/main" id="{3EC2837F-2F0F-F33A-EC92-EBF205BDBD26}"/>
+                <a16:creationId xmlns:a16="http://schemas.microsoft.com/office/drawing/2014/main" id="{10724258-9547-193B-83F4-016748FA709B}"/>
               </a:ext>
             </a:extLst>
           </p:cNvPr>
@@ -290,7 +290,7 @@
           <p:cNvPr id="6" name="灯片编号占位符 5">
             <a:extLst>
               <a:ext uri="{FF2B5EF4-FFF2-40B4-BE49-F238E27FC236}">
-                <a16:creationId xmlns:a16="http://schemas.microsoft.com/office/drawing/2014/main" id="{D71C751A-71C5-CA65-EB9D-06F7715CEFDB}"/>
+                <a16:creationId xmlns:a16="http://schemas.microsoft.com/office/drawing/2014/main" id="{CB211C03-0853-FC38-1B0D-E1D2E9113F19}"/>
               </a:ext>
             </a:extLst>
           </p:cNvPr>
@@ -306,7 +306,7 @@
           <a:bodyPr/>
           <a:lstStyle/>
           <a:p>
-            <a:fld id="{1C6E8E92-249C-48CF-8F73-2EEA5ACF0BD6}" type="slidenum">
+            <a:fld id="{F444009A-3B21-473E-A839-FC47838A36A9}" type="slidenum">
               <a:rPr lang="zh-CN" altLang="en-US" smtClean="0"/>
               <a:t>‹#›</a:t>
             </a:fld>
@@ -317,7 +317,7 @@
     </p:spTree>
     <p:extLst>
       <p:ext uri="{BB962C8B-B14F-4D97-AF65-F5344CB8AC3E}">
-        <p14:creationId xmlns:p14="http://schemas.microsoft.com/office/powerpoint/2010/main" val="594852746"/>
+        <p14:creationId xmlns:p14="http://schemas.microsoft.com/office/powerpoint/2010/main" val="343738566"/>
       </p:ext>
     </p:extLst>
   </p:cSld>
@@ -349,7 +349,7 @@
           <p:cNvPr id="2" name="标题 1">
             <a:extLst>
               <a:ext uri="{FF2B5EF4-FFF2-40B4-BE49-F238E27FC236}">
-                <a16:creationId xmlns:a16="http://schemas.microsoft.com/office/drawing/2014/main" id="{1F23C7BD-D348-C44A-E593-23249994854E}"/>
+                <a16:creationId xmlns:a16="http://schemas.microsoft.com/office/drawing/2014/main" id="{6C472782-6AC3-7FB5-F8E3-FB7AD8D130EF}"/>
               </a:ext>
             </a:extLst>
           </p:cNvPr>
@@ -377,7 +377,7 @@
           <p:cNvPr id="3" name="竖排文字占位符 2">
             <a:extLst>
               <a:ext uri="{FF2B5EF4-FFF2-40B4-BE49-F238E27FC236}">
-                <a16:creationId xmlns:a16="http://schemas.microsoft.com/office/drawing/2014/main" id="{D3BB2CEE-378A-BD42-F06C-436DA5A6E5F6}"/>
+                <a16:creationId xmlns:a16="http://schemas.microsoft.com/office/drawing/2014/main" id="{5BA0A8EA-1BA8-9C49-0099-506788367E1D}"/>
               </a:ext>
             </a:extLst>
           </p:cNvPr>
@@ -434,7 +434,7 @@
           <p:cNvPr id="4" name="日期占位符 3">
             <a:extLst>
               <a:ext uri="{FF2B5EF4-FFF2-40B4-BE49-F238E27FC236}">
-                <a16:creationId xmlns:a16="http://schemas.microsoft.com/office/drawing/2014/main" id="{389E9D2A-3C29-3EF4-C6D4-AE401BC99535}"/>
+                <a16:creationId xmlns:a16="http://schemas.microsoft.com/office/drawing/2014/main" id="{4E071852-7FE5-F72C-C699-C1C8F0D8A687}"/>
               </a:ext>
             </a:extLst>
           </p:cNvPr>
@@ -450,7 +450,7 @@
           <a:bodyPr/>
           <a:lstStyle/>
           <a:p>
-            <a:fld id="{D63BD50E-9FDA-43EA-B586-0F94B9EE3679}" type="datetimeFigureOut">
+            <a:fld id="{BD1A7342-8268-40F1-BF56-689A95CE2FCD}" type="datetimeFigureOut">
               <a:rPr lang="zh-CN" altLang="en-US" smtClean="0"/>
               <a:t>2024/3/10</a:t>
             </a:fld>
@@ -463,7 +463,7 @@
           <p:cNvPr id="5" name="页脚占位符 4">
             <a:extLst>
               <a:ext uri="{FF2B5EF4-FFF2-40B4-BE49-F238E27FC236}">
-                <a16:creationId xmlns:a16="http://schemas.microsoft.com/office/drawing/2014/main" id="{FF5B337B-23EE-2A1E-C83E-5B745F5CB7ED}"/>
+                <a16:creationId xmlns:a16="http://schemas.microsoft.com/office/drawing/2014/main" id="{5D93135E-67E8-8ADE-9C96-7DCBD9AF4971}"/>
               </a:ext>
             </a:extLst>
           </p:cNvPr>
@@ -488,7 +488,7 @@
           <p:cNvPr id="6" name="灯片编号占位符 5">
             <a:extLst>
               <a:ext uri="{FF2B5EF4-FFF2-40B4-BE49-F238E27FC236}">
-                <a16:creationId xmlns:a16="http://schemas.microsoft.com/office/drawing/2014/main" id="{AA2A9CE6-F717-3ACA-F06A-3B773115A57A}"/>
+                <a16:creationId xmlns:a16="http://schemas.microsoft.com/office/drawing/2014/main" id="{70653BA4-E728-9CA2-257A-020E5E7944EE}"/>
               </a:ext>
             </a:extLst>
           </p:cNvPr>
@@ -504,7 +504,7 @@
           <a:bodyPr/>
           <a:lstStyle/>
           <a:p>
-            <a:fld id="{1C6E8E92-249C-48CF-8F73-2EEA5ACF0BD6}" type="slidenum">
+            <a:fld id="{F444009A-3B21-473E-A839-FC47838A36A9}" type="slidenum">
               <a:rPr lang="zh-CN" altLang="en-US" smtClean="0"/>
               <a:t>‹#›</a:t>
             </a:fld>
@@ -515,7 +515,7 @@
     </p:spTree>
     <p:extLst>
       <p:ext uri="{BB962C8B-B14F-4D97-AF65-F5344CB8AC3E}">
-        <p14:creationId xmlns:p14="http://schemas.microsoft.com/office/powerpoint/2010/main" val="2062397569"/>
+        <p14:creationId xmlns:p14="http://schemas.microsoft.com/office/powerpoint/2010/main" val="1464261184"/>
       </p:ext>
     </p:extLst>
   </p:cSld>
@@ -547,7 +547,7 @@
           <p:cNvPr id="2" name="竖排标题 1">
             <a:extLst>
               <a:ext uri="{FF2B5EF4-FFF2-40B4-BE49-F238E27FC236}">
-                <a16:creationId xmlns:a16="http://schemas.microsoft.com/office/drawing/2014/main" id="{EE41E900-AE3C-2544-4089-5FCA3C901D64}"/>
+                <a16:creationId xmlns:a16="http://schemas.microsoft.com/office/drawing/2014/main" id="{132D0B76-CE15-D383-0189-CDD6DCA6CC98}"/>
               </a:ext>
             </a:extLst>
           </p:cNvPr>
@@ -580,7 +580,7 @@
           <p:cNvPr id="3" name="竖排文字占位符 2">
             <a:extLst>
               <a:ext uri="{FF2B5EF4-FFF2-40B4-BE49-F238E27FC236}">
-                <a16:creationId xmlns:a16="http://schemas.microsoft.com/office/drawing/2014/main" id="{21A6885F-3CD4-D076-C2E7-F03D3002A265}"/>
+                <a16:creationId xmlns:a16="http://schemas.microsoft.com/office/drawing/2014/main" id="{5101A511-2E06-6916-FE3E-DE71B8574218}"/>
               </a:ext>
             </a:extLst>
           </p:cNvPr>
@@ -642,7 +642,7 @@
           <p:cNvPr id="4" name="日期占位符 3">
             <a:extLst>
               <a:ext uri="{FF2B5EF4-FFF2-40B4-BE49-F238E27FC236}">
-                <a16:creationId xmlns:a16="http://schemas.microsoft.com/office/drawing/2014/main" id="{7BF4B2C3-7844-F183-9371-04AD763614CB}"/>
+                <a16:creationId xmlns:a16="http://schemas.microsoft.com/office/drawing/2014/main" id="{36D33BF7-A638-15D1-897C-AFA89967C0A4}"/>
               </a:ext>
             </a:extLst>
           </p:cNvPr>
@@ -658,7 +658,7 @@
           <a:bodyPr/>
           <a:lstStyle/>
           <a:p>
-            <a:fld id="{D63BD50E-9FDA-43EA-B586-0F94B9EE3679}" type="datetimeFigureOut">
+            <a:fld id="{BD1A7342-8268-40F1-BF56-689A95CE2FCD}" type="datetimeFigureOut">
               <a:rPr lang="zh-CN" altLang="en-US" smtClean="0"/>
               <a:t>2024/3/10</a:t>
             </a:fld>
@@ -671,7 +671,7 @@
           <p:cNvPr id="5" name="页脚占位符 4">
             <a:extLst>
               <a:ext uri="{FF2B5EF4-FFF2-40B4-BE49-F238E27FC236}">
-                <a16:creationId xmlns:a16="http://schemas.microsoft.com/office/drawing/2014/main" id="{DB98ACC9-E806-C31E-E2CE-28C8741B25E8}"/>
+                <a16:creationId xmlns:a16="http://schemas.microsoft.com/office/drawing/2014/main" id="{69DAE93B-F78C-5939-3297-900FA197F42D}"/>
               </a:ext>
             </a:extLst>
           </p:cNvPr>
@@ -696,7 +696,7 @@
           <p:cNvPr id="6" name="灯片编号占位符 5">
             <a:extLst>
               <a:ext uri="{FF2B5EF4-FFF2-40B4-BE49-F238E27FC236}">
-                <a16:creationId xmlns:a16="http://schemas.microsoft.com/office/drawing/2014/main" id="{FCAF0143-8649-C78F-521A-03E2CC8E0824}"/>
+                <a16:creationId xmlns:a16="http://schemas.microsoft.com/office/drawing/2014/main" id="{CDFDA97B-E728-7F5E-7104-64F7B5013D68}"/>
               </a:ext>
             </a:extLst>
           </p:cNvPr>
@@ -712,7 +712,7 @@
           <a:bodyPr/>
           <a:lstStyle/>
           <a:p>
-            <a:fld id="{1C6E8E92-249C-48CF-8F73-2EEA5ACF0BD6}" type="slidenum">
+            <a:fld id="{F444009A-3B21-473E-A839-FC47838A36A9}" type="slidenum">
               <a:rPr lang="zh-CN" altLang="en-US" smtClean="0"/>
               <a:t>‹#›</a:t>
             </a:fld>
@@ -723,7 +723,7 @@
     </p:spTree>
     <p:extLst>
       <p:ext uri="{BB962C8B-B14F-4D97-AF65-F5344CB8AC3E}">
-        <p14:creationId xmlns:p14="http://schemas.microsoft.com/office/powerpoint/2010/main" val="1972347358"/>
+        <p14:creationId xmlns:p14="http://schemas.microsoft.com/office/powerpoint/2010/main" val="415971818"/>
       </p:ext>
     </p:extLst>
   </p:cSld>
@@ -755,7 +755,7 @@
           <p:cNvPr id="2" name="标题 1">
             <a:extLst>
               <a:ext uri="{FF2B5EF4-FFF2-40B4-BE49-F238E27FC236}">
-                <a16:creationId xmlns:a16="http://schemas.microsoft.com/office/drawing/2014/main" id="{948296DB-28F5-1D56-1746-9D00C9786CC1}"/>
+                <a16:creationId xmlns:a16="http://schemas.microsoft.com/office/drawing/2014/main" id="{B176D543-A840-BE06-F993-CB82D10E262F}"/>
               </a:ext>
             </a:extLst>
           </p:cNvPr>
@@ -783,7 +783,7 @@
           <p:cNvPr id="3" name="内容占位符 2">
             <a:extLst>
               <a:ext uri="{FF2B5EF4-FFF2-40B4-BE49-F238E27FC236}">
-                <a16:creationId xmlns:a16="http://schemas.microsoft.com/office/drawing/2014/main" id="{B63A7EAD-B5ED-8E27-B636-4B7693794453}"/>
+                <a16:creationId xmlns:a16="http://schemas.microsoft.com/office/drawing/2014/main" id="{8472A754-4EE6-8F42-F8B0-1EDF3B6A5357}"/>
               </a:ext>
             </a:extLst>
           </p:cNvPr>
@@ -840,7 +840,7 @@
           <p:cNvPr id="4" name="日期占位符 3">
             <a:extLst>
               <a:ext uri="{FF2B5EF4-FFF2-40B4-BE49-F238E27FC236}">
-                <a16:creationId xmlns:a16="http://schemas.microsoft.com/office/drawing/2014/main" id="{38329AC8-267B-ED29-0314-7E75DD39B438}"/>
+                <a16:creationId xmlns:a16="http://schemas.microsoft.com/office/drawing/2014/main" id="{854F6CA3-9D7F-6C35-EEF4-1506228EE67F}"/>
               </a:ext>
             </a:extLst>
           </p:cNvPr>
@@ -856,7 +856,7 @@
           <a:bodyPr/>
           <a:lstStyle/>
           <a:p>
-            <a:fld id="{D63BD50E-9FDA-43EA-B586-0F94B9EE3679}" type="datetimeFigureOut">
+            <a:fld id="{BD1A7342-8268-40F1-BF56-689A95CE2FCD}" type="datetimeFigureOut">
               <a:rPr lang="zh-CN" altLang="en-US" smtClean="0"/>
               <a:t>2024/3/10</a:t>
             </a:fld>
@@ -869,7 +869,7 @@
           <p:cNvPr id="5" name="页脚占位符 4">
             <a:extLst>
               <a:ext uri="{FF2B5EF4-FFF2-40B4-BE49-F238E27FC236}">
-                <a16:creationId xmlns:a16="http://schemas.microsoft.com/office/drawing/2014/main" id="{78F5FB36-143D-8783-2FDE-CD23BF979001}"/>
+                <a16:creationId xmlns:a16="http://schemas.microsoft.com/office/drawing/2014/main" id="{BC4246F2-66AE-41E3-58E1-5187046032D1}"/>
               </a:ext>
             </a:extLst>
           </p:cNvPr>
@@ -894,7 +894,7 @@
           <p:cNvPr id="6" name="灯片编号占位符 5">
             <a:extLst>
               <a:ext uri="{FF2B5EF4-FFF2-40B4-BE49-F238E27FC236}">
-                <a16:creationId xmlns:a16="http://schemas.microsoft.com/office/drawing/2014/main" id="{D1AE8DAE-BBD4-FFCB-8981-1C3ED2197E57}"/>
+                <a16:creationId xmlns:a16="http://schemas.microsoft.com/office/drawing/2014/main" id="{9D64888C-BEF5-8273-FB0B-B1DD37D5D753}"/>
               </a:ext>
             </a:extLst>
           </p:cNvPr>
@@ -910,7 +910,7 @@
           <a:bodyPr/>
           <a:lstStyle/>
           <a:p>
-            <a:fld id="{1C6E8E92-249C-48CF-8F73-2EEA5ACF0BD6}" type="slidenum">
+            <a:fld id="{F444009A-3B21-473E-A839-FC47838A36A9}" type="slidenum">
               <a:rPr lang="zh-CN" altLang="en-US" smtClean="0"/>
               <a:t>‹#›</a:t>
             </a:fld>
@@ -921,7 +921,7 @@
     </p:spTree>
     <p:extLst>
       <p:ext uri="{BB962C8B-B14F-4D97-AF65-F5344CB8AC3E}">
-        <p14:creationId xmlns:p14="http://schemas.microsoft.com/office/powerpoint/2010/main" val="750366817"/>
+        <p14:creationId xmlns:p14="http://schemas.microsoft.com/office/powerpoint/2010/main" val="4113213734"/>
       </p:ext>
     </p:extLst>
   </p:cSld>
@@ -953,7 +953,7 @@
           <p:cNvPr id="2" name="标题 1">
             <a:extLst>
               <a:ext uri="{FF2B5EF4-FFF2-40B4-BE49-F238E27FC236}">
-                <a16:creationId xmlns:a16="http://schemas.microsoft.com/office/drawing/2014/main" id="{19D09676-FCD8-5BA2-243C-5F6AE424681D}"/>
+                <a16:creationId xmlns:a16="http://schemas.microsoft.com/office/drawing/2014/main" id="{A5C6E6BF-5BF2-0037-A66F-5660100CCA44}"/>
               </a:ext>
             </a:extLst>
           </p:cNvPr>
@@ -990,7 +990,7 @@
           <p:cNvPr id="3" name="文本占位符 2">
             <a:extLst>
               <a:ext uri="{FF2B5EF4-FFF2-40B4-BE49-F238E27FC236}">
-                <a16:creationId xmlns:a16="http://schemas.microsoft.com/office/drawing/2014/main" id="{D8623955-5D71-B90A-2AD2-9F5E37A49A4D}"/>
+                <a16:creationId xmlns:a16="http://schemas.microsoft.com/office/drawing/2014/main" id="{613318EF-927D-9CFF-39B5-7A902546563A}"/>
               </a:ext>
             </a:extLst>
           </p:cNvPr>
@@ -1115,7 +1115,7 @@
           <p:cNvPr id="4" name="日期占位符 3">
             <a:extLst>
               <a:ext uri="{FF2B5EF4-FFF2-40B4-BE49-F238E27FC236}">
-                <a16:creationId xmlns:a16="http://schemas.microsoft.com/office/drawing/2014/main" id="{4847CFD5-1D16-4483-E3C3-3C00B7270220}"/>
+                <a16:creationId xmlns:a16="http://schemas.microsoft.com/office/drawing/2014/main" id="{EBE3F83B-EA02-98DB-67AB-4BDA967C2CC3}"/>
               </a:ext>
             </a:extLst>
           </p:cNvPr>
@@ -1131,7 +1131,7 @@
           <a:bodyPr/>
           <a:lstStyle/>
           <a:p>
-            <a:fld id="{D63BD50E-9FDA-43EA-B586-0F94B9EE3679}" type="datetimeFigureOut">
+            <a:fld id="{BD1A7342-8268-40F1-BF56-689A95CE2FCD}" type="datetimeFigureOut">
               <a:rPr lang="zh-CN" altLang="en-US" smtClean="0"/>
               <a:t>2024/3/10</a:t>
             </a:fld>
@@ -1144,7 +1144,7 @@
           <p:cNvPr id="5" name="页脚占位符 4">
             <a:extLst>
               <a:ext uri="{FF2B5EF4-FFF2-40B4-BE49-F238E27FC236}">
-                <a16:creationId xmlns:a16="http://schemas.microsoft.com/office/drawing/2014/main" id="{7191DABC-F714-73C3-7367-0E58DA4D7106}"/>
+                <a16:creationId xmlns:a16="http://schemas.microsoft.com/office/drawing/2014/main" id="{3F3B9879-8491-94AD-8950-A0FC2DF38F54}"/>
               </a:ext>
             </a:extLst>
           </p:cNvPr>
@@ -1169,7 +1169,7 @@
           <p:cNvPr id="6" name="灯片编号占位符 5">
             <a:extLst>
               <a:ext uri="{FF2B5EF4-FFF2-40B4-BE49-F238E27FC236}">
-                <a16:creationId xmlns:a16="http://schemas.microsoft.com/office/drawing/2014/main" id="{61B98A02-D7C4-B675-8CA9-4D38D6DBF98C}"/>
+                <a16:creationId xmlns:a16="http://schemas.microsoft.com/office/drawing/2014/main" id="{23A7EC07-E683-510A-691E-493691ECDF61}"/>
               </a:ext>
             </a:extLst>
           </p:cNvPr>
@@ -1185,7 +1185,7 @@
           <a:bodyPr/>
           <a:lstStyle/>
           <a:p>
-            <a:fld id="{1C6E8E92-249C-48CF-8F73-2EEA5ACF0BD6}" type="slidenum">
+            <a:fld id="{F444009A-3B21-473E-A839-FC47838A36A9}" type="slidenum">
               <a:rPr lang="zh-CN" altLang="en-US" smtClean="0"/>
               <a:t>‹#›</a:t>
             </a:fld>
@@ -1196,7 +1196,7 @@
     </p:spTree>
     <p:extLst>
       <p:ext uri="{BB962C8B-B14F-4D97-AF65-F5344CB8AC3E}">
-        <p14:creationId xmlns:p14="http://schemas.microsoft.com/office/powerpoint/2010/main" val="1481069588"/>
+        <p14:creationId xmlns:p14="http://schemas.microsoft.com/office/powerpoint/2010/main" val="1751583115"/>
       </p:ext>
     </p:extLst>
   </p:cSld>
@@ -1228,7 +1228,7 @@
           <p:cNvPr id="2" name="标题 1">
             <a:extLst>
               <a:ext uri="{FF2B5EF4-FFF2-40B4-BE49-F238E27FC236}">
-                <a16:creationId xmlns:a16="http://schemas.microsoft.com/office/drawing/2014/main" id="{BEC80A2D-FB1F-3637-A109-85BF42A46EBD}"/>
+                <a16:creationId xmlns:a16="http://schemas.microsoft.com/office/drawing/2014/main" id="{8AEF10FF-E41F-35F1-5489-85E80330DFFA}"/>
               </a:ext>
             </a:extLst>
           </p:cNvPr>
@@ -1256,7 +1256,7 @@
           <p:cNvPr id="3" name="内容占位符 2">
             <a:extLst>
               <a:ext uri="{FF2B5EF4-FFF2-40B4-BE49-F238E27FC236}">
-                <a16:creationId xmlns:a16="http://schemas.microsoft.com/office/drawing/2014/main" id="{E8ECBF85-3C2D-301F-38A0-327C01FBE2A6}"/>
+                <a16:creationId xmlns:a16="http://schemas.microsoft.com/office/drawing/2014/main" id="{D32266A6-BD34-EF6D-D034-69ADE7C020CA}"/>
               </a:ext>
             </a:extLst>
           </p:cNvPr>
@@ -1318,7 +1318,7 @@
           <p:cNvPr id="4" name="内容占位符 3">
             <a:extLst>
               <a:ext uri="{FF2B5EF4-FFF2-40B4-BE49-F238E27FC236}">
-                <a16:creationId xmlns:a16="http://schemas.microsoft.com/office/drawing/2014/main" id="{4E2E034A-6295-6513-7137-E48385FC73D2}"/>
+                <a16:creationId xmlns:a16="http://schemas.microsoft.com/office/drawing/2014/main" id="{AFA1EBA3-4E40-23D4-09CF-997324F5003D}"/>
               </a:ext>
             </a:extLst>
           </p:cNvPr>
@@ -1380,7 +1380,7 @@
           <p:cNvPr id="5" name="日期占位符 4">
             <a:extLst>
               <a:ext uri="{FF2B5EF4-FFF2-40B4-BE49-F238E27FC236}">
-                <a16:creationId xmlns:a16="http://schemas.microsoft.com/office/drawing/2014/main" id="{A19B2F8B-68FE-249E-257E-CF1A3639FD09}"/>
+                <a16:creationId xmlns:a16="http://schemas.microsoft.com/office/drawing/2014/main" id="{4F84DF18-8C4D-4E18-9F28-08148528E394}"/>
               </a:ext>
             </a:extLst>
           </p:cNvPr>
@@ -1396,7 +1396,7 @@
           <a:bodyPr/>
           <a:lstStyle/>
           <a:p>
-            <a:fld id="{D63BD50E-9FDA-43EA-B586-0F94B9EE3679}" type="datetimeFigureOut">
+            <a:fld id="{BD1A7342-8268-40F1-BF56-689A95CE2FCD}" type="datetimeFigureOut">
               <a:rPr lang="zh-CN" altLang="en-US" smtClean="0"/>
               <a:t>2024/3/10</a:t>
             </a:fld>
@@ -1409,7 +1409,7 @@
           <p:cNvPr id="6" name="页脚占位符 5">
             <a:extLst>
               <a:ext uri="{FF2B5EF4-FFF2-40B4-BE49-F238E27FC236}">
-                <a16:creationId xmlns:a16="http://schemas.microsoft.com/office/drawing/2014/main" id="{F3B0BA42-47D0-22E1-19A0-54225A8C1CD4}"/>
+                <a16:creationId xmlns:a16="http://schemas.microsoft.com/office/drawing/2014/main" id="{2DC01314-9A90-E5F7-6022-993456347FE9}"/>
               </a:ext>
             </a:extLst>
           </p:cNvPr>
@@ -1434,7 +1434,7 @@
           <p:cNvPr id="7" name="灯片编号占位符 6">
             <a:extLst>
               <a:ext uri="{FF2B5EF4-FFF2-40B4-BE49-F238E27FC236}">
-                <a16:creationId xmlns:a16="http://schemas.microsoft.com/office/drawing/2014/main" id="{9DF72D4F-1AC8-E3AA-A13A-332487AE9F90}"/>
+                <a16:creationId xmlns:a16="http://schemas.microsoft.com/office/drawing/2014/main" id="{FD504CD9-FFC4-B2BA-ED41-46F181C58D02}"/>
               </a:ext>
             </a:extLst>
           </p:cNvPr>
@@ -1450,7 +1450,7 @@
           <a:bodyPr/>
           <a:lstStyle/>
           <a:p>
-            <a:fld id="{1C6E8E92-249C-48CF-8F73-2EEA5ACF0BD6}" type="slidenum">
+            <a:fld id="{F444009A-3B21-473E-A839-FC47838A36A9}" type="slidenum">
               <a:rPr lang="zh-CN" altLang="en-US" smtClean="0"/>
               <a:t>‹#›</a:t>
             </a:fld>
@@ -1461,7 +1461,7 @@
     </p:spTree>
     <p:extLst>
       <p:ext uri="{BB962C8B-B14F-4D97-AF65-F5344CB8AC3E}">
-        <p14:creationId xmlns:p14="http://schemas.microsoft.com/office/powerpoint/2010/main" val="236597825"/>
+        <p14:creationId xmlns:p14="http://schemas.microsoft.com/office/powerpoint/2010/main" val="3729661157"/>
       </p:ext>
     </p:extLst>
   </p:cSld>
@@ -1493,7 +1493,7 @@
           <p:cNvPr id="2" name="标题 1">
             <a:extLst>
               <a:ext uri="{FF2B5EF4-FFF2-40B4-BE49-F238E27FC236}">
-                <a16:creationId xmlns:a16="http://schemas.microsoft.com/office/drawing/2014/main" id="{9D4B899A-117A-1CC4-3793-DAD9A5F942AF}"/>
+                <a16:creationId xmlns:a16="http://schemas.microsoft.com/office/drawing/2014/main" id="{15C67B46-F721-163D-D9A4-36C60CC19FDA}"/>
               </a:ext>
             </a:extLst>
           </p:cNvPr>
@@ -1526,7 +1526,7 @@
           <p:cNvPr id="3" name="文本占位符 2">
             <a:extLst>
               <a:ext uri="{FF2B5EF4-FFF2-40B4-BE49-F238E27FC236}">
-                <a16:creationId xmlns:a16="http://schemas.microsoft.com/office/drawing/2014/main" id="{A7C31A78-48E2-E992-63D6-8BB6BE7A94C9}"/>
+                <a16:creationId xmlns:a16="http://schemas.microsoft.com/office/drawing/2014/main" id="{CA0E8A5B-C193-20DE-147D-0743937E1165}"/>
               </a:ext>
             </a:extLst>
           </p:cNvPr>
@@ -1597,7 +1597,7 @@
           <p:cNvPr id="4" name="内容占位符 3">
             <a:extLst>
               <a:ext uri="{FF2B5EF4-FFF2-40B4-BE49-F238E27FC236}">
-                <a16:creationId xmlns:a16="http://schemas.microsoft.com/office/drawing/2014/main" id="{15BCE25E-6478-B209-8F03-04B1A1C728E9}"/>
+                <a16:creationId xmlns:a16="http://schemas.microsoft.com/office/drawing/2014/main" id="{C8B712DF-E2B5-BA47-F8BC-FD8695A90957}"/>
               </a:ext>
             </a:extLst>
           </p:cNvPr>
@@ -1659,7 +1659,7 @@
           <p:cNvPr id="5" name="文本占位符 4">
             <a:extLst>
               <a:ext uri="{FF2B5EF4-FFF2-40B4-BE49-F238E27FC236}">
-                <a16:creationId xmlns:a16="http://schemas.microsoft.com/office/drawing/2014/main" id="{A68327C0-96C9-4E9F-61CF-AFC87CE38DA2}"/>
+                <a16:creationId xmlns:a16="http://schemas.microsoft.com/office/drawing/2014/main" id="{83189CC4-5D55-8918-FF86-7C186296567F}"/>
               </a:ext>
             </a:extLst>
           </p:cNvPr>
@@ -1730,7 +1730,7 @@
           <p:cNvPr id="6" name="内容占位符 5">
             <a:extLst>
               <a:ext uri="{FF2B5EF4-FFF2-40B4-BE49-F238E27FC236}">
-                <a16:creationId xmlns:a16="http://schemas.microsoft.com/office/drawing/2014/main" id="{2C69761F-F143-5665-ED71-06AC00426790}"/>
+                <a16:creationId xmlns:a16="http://schemas.microsoft.com/office/drawing/2014/main" id="{A7B7C975-906E-B975-400D-F0D2F9ED8652}"/>
               </a:ext>
             </a:extLst>
           </p:cNvPr>
@@ -1792,7 +1792,7 @@
           <p:cNvPr id="7" name="日期占位符 6">
             <a:extLst>
               <a:ext uri="{FF2B5EF4-FFF2-40B4-BE49-F238E27FC236}">
-                <a16:creationId xmlns:a16="http://schemas.microsoft.com/office/drawing/2014/main" id="{380BF696-787A-AB27-20E0-3CB68B67C970}"/>
+                <a16:creationId xmlns:a16="http://schemas.microsoft.com/office/drawing/2014/main" id="{B0A4942A-24A1-E502-3C02-3FB46C8D686B}"/>
               </a:ext>
             </a:extLst>
           </p:cNvPr>
@@ -1808,7 +1808,7 @@
           <a:bodyPr/>
           <a:lstStyle/>
           <a:p>
-            <a:fld id="{D63BD50E-9FDA-43EA-B586-0F94B9EE3679}" type="datetimeFigureOut">
+            <a:fld id="{BD1A7342-8268-40F1-BF56-689A95CE2FCD}" type="datetimeFigureOut">
               <a:rPr lang="zh-CN" altLang="en-US" smtClean="0"/>
               <a:t>2024/3/10</a:t>
             </a:fld>
@@ -1821,7 +1821,7 @@
           <p:cNvPr id="8" name="页脚占位符 7">
             <a:extLst>
               <a:ext uri="{FF2B5EF4-FFF2-40B4-BE49-F238E27FC236}">
-                <a16:creationId xmlns:a16="http://schemas.microsoft.com/office/drawing/2014/main" id="{72B3AFBC-F4B5-CF53-CE71-C24E1CD366E7}"/>
+                <a16:creationId xmlns:a16="http://schemas.microsoft.com/office/drawing/2014/main" id="{899EC388-B696-D3D7-A509-D04409143FB5}"/>
               </a:ext>
             </a:extLst>
           </p:cNvPr>
@@ -1846,7 +1846,7 @@
           <p:cNvPr id="9" name="灯片编号占位符 8">
             <a:extLst>
               <a:ext uri="{FF2B5EF4-FFF2-40B4-BE49-F238E27FC236}">
-                <a16:creationId xmlns:a16="http://schemas.microsoft.com/office/drawing/2014/main" id="{16938B56-4677-CE10-8E0A-3E8CF1FF54C3}"/>
+                <a16:creationId xmlns:a16="http://schemas.microsoft.com/office/drawing/2014/main" id="{1195E9F8-06C9-4F83-5351-B6245070EE7E}"/>
               </a:ext>
             </a:extLst>
           </p:cNvPr>
@@ -1862,7 +1862,7 @@
           <a:bodyPr/>
           <a:lstStyle/>
           <a:p>
-            <a:fld id="{1C6E8E92-249C-48CF-8F73-2EEA5ACF0BD6}" type="slidenum">
+            <a:fld id="{F444009A-3B21-473E-A839-FC47838A36A9}" type="slidenum">
               <a:rPr lang="zh-CN" altLang="en-US" smtClean="0"/>
               <a:t>‹#›</a:t>
             </a:fld>
@@ -1873,7 +1873,7 @@
     </p:spTree>
     <p:extLst>
       <p:ext uri="{BB962C8B-B14F-4D97-AF65-F5344CB8AC3E}">
-        <p14:creationId xmlns:p14="http://schemas.microsoft.com/office/powerpoint/2010/main" val="642159361"/>
+        <p14:creationId xmlns:p14="http://schemas.microsoft.com/office/powerpoint/2010/main" val="4055557970"/>
       </p:ext>
     </p:extLst>
   </p:cSld>
@@ -1905,7 +1905,7 @@
           <p:cNvPr id="2" name="标题 1">
             <a:extLst>
               <a:ext uri="{FF2B5EF4-FFF2-40B4-BE49-F238E27FC236}">
-                <a16:creationId xmlns:a16="http://schemas.microsoft.com/office/drawing/2014/main" id="{85E5FEDC-5CB1-CF47-DEA0-731773F5EDCB}"/>
+                <a16:creationId xmlns:a16="http://schemas.microsoft.com/office/drawing/2014/main" id="{03A9F5CE-41DC-5C8C-DC64-19C7784652EE}"/>
               </a:ext>
             </a:extLst>
           </p:cNvPr>
@@ -1933,7 +1933,7 @@
           <p:cNvPr id="3" name="日期占位符 2">
             <a:extLst>
               <a:ext uri="{FF2B5EF4-FFF2-40B4-BE49-F238E27FC236}">
-                <a16:creationId xmlns:a16="http://schemas.microsoft.com/office/drawing/2014/main" id="{A5B46877-B934-E960-0981-2472801A98C8}"/>
+                <a16:creationId xmlns:a16="http://schemas.microsoft.com/office/drawing/2014/main" id="{689B15EB-C6A2-87B3-2E86-473666D3C4B3}"/>
               </a:ext>
             </a:extLst>
           </p:cNvPr>
@@ -1949,7 +1949,7 @@
           <a:bodyPr/>
           <a:lstStyle/>
           <a:p>
-            <a:fld id="{D63BD50E-9FDA-43EA-B586-0F94B9EE3679}" type="datetimeFigureOut">
+            <a:fld id="{BD1A7342-8268-40F1-BF56-689A95CE2FCD}" type="datetimeFigureOut">
               <a:rPr lang="zh-CN" altLang="en-US" smtClean="0"/>
               <a:t>2024/3/10</a:t>
             </a:fld>
@@ -1962,7 +1962,7 @@
           <p:cNvPr id="4" name="页脚占位符 3">
             <a:extLst>
               <a:ext uri="{FF2B5EF4-FFF2-40B4-BE49-F238E27FC236}">
-                <a16:creationId xmlns:a16="http://schemas.microsoft.com/office/drawing/2014/main" id="{21355F6C-4A66-12F2-ED2B-9DDDF6B7B666}"/>
+                <a16:creationId xmlns:a16="http://schemas.microsoft.com/office/drawing/2014/main" id="{7075908D-2E63-6461-4A0A-2A12A2CC20FB}"/>
               </a:ext>
             </a:extLst>
           </p:cNvPr>
@@ -1987,7 +1987,7 @@
           <p:cNvPr id="5" name="灯片编号占位符 4">
             <a:extLst>
               <a:ext uri="{FF2B5EF4-FFF2-40B4-BE49-F238E27FC236}">
-                <a16:creationId xmlns:a16="http://schemas.microsoft.com/office/drawing/2014/main" id="{7C20B18D-F810-5482-4CFF-B87644B76B1F}"/>
+                <a16:creationId xmlns:a16="http://schemas.microsoft.com/office/drawing/2014/main" id="{C6C71F27-220D-C285-F198-45EBC7289714}"/>
               </a:ext>
             </a:extLst>
           </p:cNvPr>
@@ -2003,7 +2003,7 @@
           <a:bodyPr/>
           <a:lstStyle/>
           <a:p>
-            <a:fld id="{1C6E8E92-249C-48CF-8F73-2EEA5ACF0BD6}" type="slidenum">
+            <a:fld id="{F444009A-3B21-473E-A839-FC47838A36A9}" type="slidenum">
               <a:rPr lang="zh-CN" altLang="en-US" smtClean="0"/>
               <a:t>‹#›</a:t>
             </a:fld>
@@ -2014,7 +2014,7 @@
     </p:spTree>
     <p:extLst>
       <p:ext uri="{BB962C8B-B14F-4D97-AF65-F5344CB8AC3E}">
-        <p14:creationId xmlns:p14="http://schemas.microsoft.com/office/powerpoint/2010/main" val="961511647"/>
+        <p14:creationId xmlns:p14="http://schemas.microsoft.com/office/powerpoint/2010/main" val="2052600726"/>
       </p:ext>
     </p:extLst>
   </p:cSld>
@@ -2046,7 +2046,7 @@
           <p:cNvPr id="2" name="日期占位符 1">
             <a:extLst>
               <a:ext uri="{FF2B5EF4-FFF2-40B4-BE49-F238E27FC236}">
-                <a16:creationId xmlns:a16="http://schemas.microsoft.com/office/drawing/2014/main" id="{620E3196-EEC8-634A-906E-1E989023819E}"/>
+                <a16:creationId xmlns:a16="http://schemas.microsoft.com/office/drawing/2014/main" id="{D17F5313-4554-F12B-33E3-94D2B41DCE42}"/>
               </a:ext>
             </a:extLst>
           </p:cNvPr>
@@ -2062,7 +2062,7 @@
           <a:bodyPr/>
           <a:lstStyle/>
           <a:p>
-            <a:fld id="{D63BD50E-9FDA-43EA-B586-0F94B9EE3679}" type="datetimeFigureOut">
+            <a:fld id="{BD1A7342-8268-40F1-BF56-689A95CE2FCD}" type="datetimeFigureOut">
               <a:rPr lang="zh-CN" altLang="en-US" smtClean="0"/>
               <a:t>2024/3/10</a:t>
             </a:fld>
@@ -2075,7 +2075,7 @@
           <p:cNvPr id="3" name="页脚占位符 2">
             <a:extLst>
               <a:ext uri="{FF2B5EF4-FFF2-40B4-BE49-F238E27FC236}">
-                <a16:creationId xmlns:a16="http://schemas.microsoft.com/office/drawing/2014/main" id="{733922B3-5051-9997-6BA1-0245021B066E}"/>
+                <a16:creationId xmlns:a16="http://schemas.microsoft.com/office/drawing/2014/main" id="{3CD4591E-850F-D950-C174-8D01616B60C6}"/>
               </a:ext>
             </a:extLst>
           </p:cNvPr>
@@ -2100,7 +2100,7 @@
           <p:cNvPr id="4" name="灯片编号占位符 3">
             <a:extLst>
               <a:ext uri="{FF2B5EF4-FFF2-40B4-BE49-F238E27FC236}">
-                <a16:creationId xmlns:a16="http://schemas.microsoft.com/office/drawing/2014/main" id="{DFF47A8E-FE07-EDA9-949F-53029CD9C299}"/>
+                <a16:creationId xmlns:a16="http://schemas.microsoft.com/office/drawing/2014/main" id="{5228151D-B8BA-76BA-7B7F-B1E1AE7B5CAE}"/>
               </a:ext>
             </a:extLst>
           </p:cNvPr>
@@ -2116,7 +2116,7 @@
           <a:bodyPr/>
           <a:lstStyle/>
           <a:p>
-            <a:fld id="{1C6E8E92-249C-48CF-8F73-2EEA5ACF0BD6}" type="slidenum">
+            <a:fld id="{F444009A-3B21-473E-A839-FC47838A36A9}" type="slidenum">
               <a:rPr lang="zh-CN" altLang="en-US" smtClean="0"/>
               <a:t>‹#›</a:t>
             </a:fld>
@@ -2127,7 +2127,7 @@
     </p:spTree>
     <p:extLst>
       <p:ext uri="{BB962C8B-B14F-4D97-AF65-F5344CB8AC3E}">
-        <p14:creationId xmlns:p14="http://schemas.microsoft.com/office/powerpoint/2010/main" val="2860523681"/>
+        <p14:creationId xmlns:p14="http://schemas.microsoft.com/office/powerpoint/2010/main" val="3971854278"/>
       </p:ext>
     </p:extLst>
   </p:cSld>
@@ -2159,7 +2159,7 @@
           <p:cNvPr id="2" name="标题 1">
             <a:extLst>
               <a:ext uri="{FF2B5EF4-FFF2-40B4-BE49-F238E27FC236}">
-                <a16:creationId xmlns:a16="http://schemas.microsoft.com/office/drawing/2014/main" id="{44294D67-DDDE-D8A1-6779-6A58CA3D2249}"/>
+                <a16:creationId xmlns:a16="http://schemas.microsoft.com/office/drawing/2014/main" id="{09DCA70B-B42B-D4DE-AF9A-63E7DA2D08BA}"/>
               </a:ext>
             </a:extLst>
           </p:cNvPr>
@@ -2196,7 +2196,7 @@
           <p:cNvPr id="3" name="内容占位符 2">
             <a:extLst>
               <a:ext uri="{FF2B5EF4-FFF2-40B4-BE49-F238E27FC236}">
-                <a16:creationId xmlns:a16="http://schemas.microsoft.com/office/drawing/2014/main" id="{E624039B-C914-2567-3EB1-65B5419C8201}"/>
+                <a16:creationId xmlns:a16="http://schemas.microsoft.com/office/drawing/2014/main" id="{0A09214A-C8BD-DA09-AC96-48D665E93557}"/>
               </a:ext>
             </a:extLst>
           </p:cNvPr>
@@ -2286,7 +2286,7 @@
           <p:cNvPr id="4" name="文本占位符 3">
             <a:extLst>
               <a:ext uri="{FF2B5EF4-FFF2-40B4-BE49-F238E27FC236}">
-                <a16:creationId xmlns:a16="http://schemas.microsoft.com/office/drawing/2014/main" id="{95C5A992-B0A9-65AC-2FB5-1D839122AEC5}"/>
+                <a16:creationId xmlns:a16="http://schemas.microsoft.com/office/drawing/2014/main" id="{5D6CD195-F4D5-A238-635B-3EB2554CFBE8}"/>
               </a:ext>
             </a:extLst>
           </p:cNvPr>
@@ -2357,7 +2357,7 @@
           <p:cNvPr id="5" name="日期占位符 4">
             <a:extLst>
               <a:ext uri="{FF2B5EF4-FFF2-40B4-BE49-F238E27FC236}">
-                <a16:creationId xmlns:a16="http://schemas.microsoft.com/office/drawing/2014/main" id="{24B2DAE5-2A58-5E20-DF35-0BA44E97E1E5}"/>
+                <a16:creationId xmlns:a16="http://schemas.microsoft.com/office/drawing/2014/main" id="{0C47A547-3923-6DA0-A718-614DE285F5C4}"/>
               </a:ext>
             </a:extLst>
           </p:cNvPr>
@@ -2373,7 +2373,7 @@
           <a:bodyPr/>
           <a:lstStyle/>
           <a:p>
-            <a:fld id="{D63BD50E-9FDA-43EA-B586-0F94B9EE3679}" type="datetimeFigureOut">
+            <a:fld id="{BD1A7342-8268-40F1-BF56-689A95CE2FCD}" type="datetimeFigureOut">
               <a:rPr lang="zh-CN" altLang="en-US" smtClean="0"/>
               <a:t>2024/3/10</a:t>
             </a:fld>
@@ -2386,7 +2386,7 @@
           <p:cNvPr id="6" name="页脚占位符 5">
             <a:extLst>
               <a:ext uri="{FF2B5EF4-FFF2-40B4-BE49-F238E27FC236}">
-                <a16:creationId xmlns:a16="http://schemas.microsoft.com/office/drawing/2014/main" id="{592C0553-41E0-A031-48B0-DBFE8CA37420}"/>
+                <a16:creationId xmlns:a16="http://schemas.microsoft.com/office/drawing/2014/main" id="{5C426010-25EF-57F0-6163-4595A5F91F6A}"/>
               </a:ext>
             </a:extLst>
           </p:cNvPr>
@@ -2411,7 +2411,7 @@
           <p:cNvPr id="7" name="灯片编号占位符 6">
             <a:extLst>
               <a:ext uri="{FF2B5EF4-FFF2-40B4-BE49-F238E27FC236}">
-                <a16:creationId xmlns:a16="http://schemas.microsoft.com/office/drawing/2014/main" id="{59922909-886B-A63F-6D17-24BC9C716A0E}"/>
+                <a16:creationId xmlns:a16="http://schemas.microsoft.com/office/drawing/2014/main" id="{654E7A1A-CAE7-DD08-9724-89B7CB68DB90}"/>
               </a:ext>
             </a:extLst>
           </p:cNvPr>
@@ -2427,7 +2427,7 @@
           <a:bodyPr/>
           <a:lstStyle/>
           <a:p>
-            <a:fld id="{1C6E8E92-249C-48CF-8F73-2EEA5ACF0BD6}" type="slidenum">
+            <a:fld id="{F444009A-3B21-473E-A839-FC47838A36A9}" type="slidenum">
               <a:rPr lang="zh-CN" altLang="en-US" smtClean="0"/>
               <a:t>‹#›</a:t>
             </a:fld>
@@ -2438,7 +2438,7 @@
     </p:spTree>
     <p:extLst>
       <p:ext uri="{BB962C8B-B14F-4D97-AF65-F5344CB8AC3E}">
-        <p14:creationId xmlns:p14="http://schemas.microsoft.com/office/powerpoint/2010/main" val="4086250920"/>
+        <p14:creationId xmlns:p14="http://schemas.microsoft.com/office/powerpoint/2010/main" val="3069381676"/>
       </p:ext>
     </p:extLst>
   </p:cSld>
@@ -2470,7 +2470,7 @@
           <p:cNvPr id="2" name="标题 1">
             <a:extLst>
               <a:ext uri="{FF2B5EF4-FFF2-40B4-BE49-F238E27FC236}">
-                <a16:creationId xmlns:a16="http://schemas.microsoft.com/office/drawing/2014/main" id="{7091FF3F-BE74-05F9-CFB9-5C5599C01364}"/>
+                <a16:creationId xmlns:a16="http://schemas.microsoft.com/office/drawing/2014/main" id="{65A1310F-6AEA-B455-8F48-8AAFB066C765}"/>
               </a:ext>
             </a:extLst>
           </p:cNvPr>
@@ -2507,7 +2507,7 @@
           <p:cNvPr id="3" name="图片占位符 2">
             <a:extLst>
               <a:ext uri="{FF2B5EF4-FFF2-40B4-BE49-F238E27FC236}">
-                <a16:creationId xmlns:a16="http://schemas.microsoft.com/office/drawing/2014/main" id="{A170905B-05FC-40B5-4A5B-3B403A8DCE9B}"/>
+                <a16:creationId xmlns:a16="http://schemas.microsoft.com/office/drawing/2014/main" id="{1D287D51-208C-B425-A4E4-260CF2F61922}"/>
               </a:ext>
             </a:extLst>
           </p:cNvPr>
@@ -2574,7 +2574,7 @@
           <p:cNvPr id="4" name="文本占位符 3">
             <a:extLst>
               <a:ext uri="{FF2B5EF4-FFF2-40B4-BE49-F238E27FC236}">
-                <a16:creationId xmlns:a16="http://schemas.microsoft.com/office/drawing/2014/main" id="{37BFE28E-A47D-1940-E71E-521DD19C0320}"/>
+                <a16:creationId xmlns:a16="http://schemas.microsoft.com/office/drawing/2014/main" id="{32CB8CC2-D9D6-625C-8EB7-357F51929CB4}"/>
               </a:ext>
             </a:extLst>
           </p:cNvPr>
@@ -2645,7 +2645,7 @@
           <p:cNvPr id="5" name="日期占位符 4">
             <a:extLst>
               <a:ext uri="{FF2B5EF4-FFF2-40B4-BE49-F238E27FC236}">
-                <a16:creationId xmlns:a16="http://schemas.microsoft.com/office/drawing/2014/main" id="{FD53B4FC-7E34-FF57-8F85-C034E3CDB1EE}"/>
+                <a16:creationId xmlns:a16="http://schemas.microsoft.com/office/drawing/2014/main" id="{167333B3-7AFE-FA54-EB55-C53CE1D8360A}"/>
               </a:ext>
             </a:extLst>
           </p:cNvPr>
@@ -2661,7 +2661,7 @@
           <a:bodyPr/>
           <a:lstStyle/>
           <a:p>
-            <a:fld id="{D63BD50E-9FDA-43EA-B586-0F94B9EE3679}" type="datetimeFigureOut">
+            <a:fld id="{BD1A7342-8268-40F1-BF56-689A95CE2FCD}" type="datetimeFigureOut">
               <a:rPr lang="zh-CN" altLang="en-US" smtClean="0"/>
               <a:t>2024/3/10</a:t>
             </a:fld>
@@ -2674,7 +2674,7 @@
           <p:cNvPr id="6" name="页脚占位符 5">
             <a:extLst>
               <a:ext uri="{FF2B5EF4-FFF2-40B4-BE49-F238E27FC236}">
-                <a16:creationId xmlns:a16="http://schemas.microsoft.com/office/drawing/2014/main" id="{C11EFE46-7E1C-26FE-CAC0-E9B5A1037F8E}"/>
+                <a16:creationId xmlns:a16="http://schemas.microsoft.com/office/drawing/2014/main" id="{ED9EAAFB-AF47-DB45-0BEB-FD86C3B515F5}"/>
               </a:ext>
             </a:extLst>
           </p:cNvPr>
@@ -2699,7 +2699,7 @@
           <p:cNvPr id="7" name="灯片编号占位符 6">
             <a:extLst>
               <a:ext uri="{FF2B5EF4-FFF2-40B4-BE49-F238E27FC236}">
-                <a16:creationId xmlns:a16="http://schemas.microsoft.com/office/drawing/2014/main" id="{CFD3E35C-AB8B-74D4-BDD1-556F888DE258}"/>
+                <a16:creationId xmlns:a16="http://schemas.microsoft.com/office/drawing/2014/main" id="{845C64E6-E72B-FE64-1F4F-3755F0497861}"/>
               </a:ext>
             </a:extLst>
           </p:cNvPr>
@@ -2715,7 +2715,7 @@
           <a:bodyPr/>
           <a:lstStyle/>
           <a:p>
-            <a:fld id="{1C6E8E92-249C-48CF-8F73-2EEA5ACF0BD6}" type="slidenum">
+            <a:fld id="{F444009A-3B21-473E-A839-FC47838A36A9}" type="slidenum">
               <a:rPr lang="zh-CN" altLang="en-US" smtClean="0"/>
               <a:t>‹#›</a:t>
             </a:fld>
@@ -2726,7 +2726,7 @@
     </p:spTree>
     <p:extLst>
       <p:ext uri="{BB962C8B-B14F-4D97-AF65-F5344CB8AC3E}">
-        <p14:creationId xmlns:p14="http://schemas.microsoft.com/office/powerpoint/2010/main" val="271229117"/>
+        <p14:creationId xmlns:p14="http://schemas.microsoft.com/office/powerpoint/2010/main" val="1623610939"/>
       </p:ext>
     </p:extLst>
   </p:cSld>
@@ -2763,7 +2763,7 @@
           <p:cNvPr id="2" name="标题占位符 1">
             <a:extLst>
               <a:ext uri="{FF2B5EF4-FFF2-40B4-BE49-F238E27FC236}">
-                <a16:creationId xmlns:a16="http://schemas.microsoft.com/office/drawing/2014/main" id="{68E54F6B-B90D-DADD-7DDC-714CBF74E0C2}"/>
+                <a16:creationId xmlns:a16="http://schemas.microsoft.com/office/drawing/2014/main" id="{55EEA3BA-8F1E-266B-B9D0-1FC0C58857BF}"/>
               </a:ext>
             </a:extLst>
           </p:cNvPr>
@@ -2801,7 +2801,7 @@
           <p:cNvPr id="3" name="文本占位符 2">
             <a:extLst>
               <a:ext uri="{FF2B5EF4-FFF2-40B4-BE49-F238E27FC236}">
-                <a16:creationId xmlns:a16="http://schemas.microsoft.com/office/drawing/2014/main" id="{3EBC3946-7B8C-4362-29FE-82A6EC5CD1B8}"/>
+                <a16:creationId xmlns:a16="http://schemas.microsoft.com/office/drawing/2014/main" id="{26876C93-FD3B-38BB-052D-ED3B68647CEB}"/>
               </a:ext>
             </a:extLst>
           </p:cNvPr>
@@ -2868,7 +2868,7 @@
           <p:cNvPr id="4" name="日期占位符 3">
             <a:extLst>
               <a:ext uri="{FF2B5EF4-FFF2-40B4-BE49-F238E27FC236}">
-                <a16:creationId xmlns:a16="http://schemas.microsoft.com/office/drawing/2014/main" id="{86BCBD9E-C866-39A6-394A-485628C9215D}"/>
+                <a16:creationId xmlns:a16="http://schemas.microsoft.com/office/drawing/2014/main" id="{F2171FA5-6E11-B061-E6FF-C520C282DAEB}"/>
               </a:ext>
             </a:extLst>
           </p:cNvPr>
@@ -2902,7 +2902,7 @@
             </a:lvl1pPr>
           </a:lstStyle>
           <a:p>
-            <a:fld id="{D63BD50E-9FDA-43EA-B586-0F94B9EE3679}" type="datetimeFigureOut">
+            <a:fld id="{BD1A7342-8268-40F1-BF56-689A95CE2FCD}" type="datetimeFigureOut">
               <a:rPr lang="zh-CN" altLang="en-US" smtClean="0"/>
               <a:t>2024/3/10</a:t>
             </a:fld>
@@ -2915,7 +2915,7 @@
           <p:cNvPr id="5" name="页脚占位符 4">
             <a:extLst>
               <a:ext uri="{FF2B5EF4-FFF2-40B4-BE49-F238E27FC236}">
-                <a16:creationId xmlns:a16="http://schemas.microsoft.com/office/drawing/2014/main" id="{D98421DA-87BD-950A-BE27-7203E7B08596}"/>
+                <a16:creationId xmlns:a16="http://schemas.microsoft.com/office/drawing/2014/main" id="{63475FCD-B20E-3335-4C25-B8BF8728E0F2}"/>
               </a:ext>
             </a:extLst>
           </p:cNvPr>
@@ -2958,7 +2958,7 @@
           <p:cNvPr id="6" name="灯片编号占位符 5">
             <a:extLst>
               <a:ext uri="{FF2B5EF4-FFF2-40B4-BE49-F238E27FC236}">
-                <a16:creationId xmlns:a16="http://schemas.microsoft.com/office/drawing/2014/main" id="{EE1C31C5-F068-DBE2-88EF-F55EE9769981}"/>
+                <a16:creationId xmlns:a16="http://schemas.microsoft.com/office/drawing/2014/main" id="{C8602E7F-4001-D092-7BFA-D08466CB234C}"/>
               </a:ext>
             </a:extLst>
           </p:cNvPr>
@@ -2992,7 +2992,7 @@
             </a:lvl1pPr>
           </a:lstStyle>
           <a:p>
-            <a:fld id="{1C6E8E92-249C-48CF-8F73-2EEA5ACF0BD6}" type="slidenum">
+            <a:fld id="{F444009A-3B21-473E-A839-FC47838A36A9}" type="slidenum">
               <a:rPr lang="zh-CN" altLang="en-US" smtClean="0"/>
               <a:t>‹#›</a:t>
             </a:fld>
@@ -3003,7 +3003,7 @@
     </p:spTree>
     <p:extLst>
       <p:ext uri="{BB962C8B-B14F-4D97-AF65-F5344CB8AC3E}">
-        <p14:creationId xmlns:p14="http://schemas.microsoft.com/office/powerpoint/2010/main" val="4125510243"/>
+        <p14:creationId xmlns:p14="http://schemas.microsoft.com/office/powerpoint/2010/main" val="1151960045"/>
       </p:ext>
     </p:extLst>
   </p:cSld>
@@ -3323,7 +3323,7 @@
       </p:grpSpPr>
       <p:pic>
         <p:nvPicPr>
-          <p:cNvPr id="1065986" name="Picture 2" descr="1040"/>
+          <p:cNvPr id="1067010" name="Picture 2" descr="1041"/>
           <p:cNvPicPr>
             <a:picLocks noChangeAspect="1" noChangeArrowheads="1"/>
           </p:cNvPicPr>
@@ -3344,8 +3344,8 @@
         </p:blipFill>
         <p:spPr bwMode="auto">
           <a:xfrm>
-            <a:off x="1524001" y="0"/>
-            <a:ext cx="9053513" cy="6789738"/>
+            <a:off x="1524000" y="0"/>
+            <a:ext cx="9144000" cy="6858000"/>
           </a:xfrm>
           <a:prstGeom prst="rect">
             <a:avLst/>
@@ -3375,158 +3375,11 @@
           </a:extLst>
         </p:spPr>
       </p:pic>
-      <p:pic>
-        <p:nvPicPr>
-          <p:cNvPr id="1067011" name="Picture 3" descr="1040-2"/>
-          <p:cNvPicPr>
-            <a:picLocks noChangeAspect="1" noChangeArrowheads="1"/>
-          </p:cNvPicPr>
-          <p:nvPr/>
-        </p:nvPicPr>
-        <p:blipFill>
-          <a:blip r:embed="rId3">
-            <a:extLst>
-              <a:ext uri="{28A0092B-C50C-407E-A947-70E740481C1C}">
-                <a14:useLocalDpi xmlns:a14="http://schemas.microsoft.com/office/drawing/2010/main" val="0"/>
-              </a:ext>
-            </a:extLst>
-          </a:blip>
-          <a:srcRect/>
-          <a:stretch>
-            <a:fillRect/>
-          </a:stretch>
-        </p:blipFill>
-        <p:spPr bwMode="auto">
-          <a:xfrm>
-            <a:off x="1524000" y="1"/>
-            <a:ext cx="9055100" cy="6791325"/>
-          </a:xfrm>
-          <a:prstGeom prst="rect">
-            <a:avLst/>
-          </a:prstGeom>
-          <a:noFill/>
-          <a:ln>
-            <a:noFill/>
-          </a:ln>
-          <a:effectLst/>
-          <a:extLst>
-            <a:ext uri="{909E8E84-426E-40DD-AFC4-6F175D3DCCD1}">
-              <a14:hiddenFill xmlns:a14="http://schemas.microsoft.com/office/drawing/2010/main">
-                <a:solidFill>
-                  <a:srgbClr val="FFFFFF"/>
-                </a:solidFill>
-              </a14:hiddenFill>
-            </a:ext>
-            <a:ext uri="{91240B29-F687-4F45-9708-019B960494DF}">
-              <a14:hiddenLine xmlns:a14="http://schemas.microsoft.com/office/drawing/2010/main" w="9525">
-                <a:solidFill>
-                  <a:srgbClr val="000000"/>
-                </a:solidFill>
-                <a:miter lim="800000"/>
-                <a:headEnd/>
-                <a:tailEnd/>
-              </a14:hiddenLine>
-            </a:ext>
-            <a:ext uri="{AF507438-7753-43E0-B8FC-AC1667EBCBE1}">
-              <a14:hiddenEffects xmlns:a14="http://schemas.microsoft.com/office/drawing/2010/main">
-                <a:effectLst>
-                  <a:outerShdw dist="35921" dir="2700000" algn="ctr" rotWithShape="0">
-                    <a:srgbClr val="808080"/>
-                  </a:outerShdw>
-                </a:effectLst>
-              </a14:hiddenEffects>
-            </a:ext>
-          </a:extLst>
-        </p:spPr>
-      </p:pic>
     </p:spTree>
   </p:cSld>
   <p:clrMapOvr>
     <a:masterClrMapping/>
   </p:clrMapOvr>
-  <p:timing>
-    <p:tnLst>
-      <p:par>
-        <p:cTn id="1" dur="indefinite" restart="never" nodeType="tmRoot">
-          <p:childTnLst>
-            <p:seq concurrent="1" nextAc="seek">
-              <p:cTn id="2" dur="indefinite" nodeType="mainSeq">
-                <p:childTnLst>
-                  <p:par>
-                    <p:cTn id="3" fill="hold" nodeType="clickPar">
-                      <p:stCondLst>
-                        <p:cond delay="indefinite"/>
-                      </p:stCondLst>
-                      <p:childTnLst>
-                        <p:par>
-                          <p:cTn id="4" fill="hold" nodeType="withGroup">
-                            <p:stCondLst>
-                              <p:cond delay="0"/>
-                            </p:stCondLst>
-                            <p:childTnLst>
-                              <p:par>
-                                <p:cTn id="5" presetID="10" presetClass="entr" presetSubtype="0" fill="hold" nodeType="clickEffect">
-                                  <p:stCondLst>
-                                    <p:cond delay="0"/>
-                                  </p:stCondLst>
-                                  <p:childTnLst>
-                                    <p:set>
-                                      <p:cBhvr>
-                                        <p:cTn id="6" dur="1" fill="hold">
-                                          <p:stCondLst>
-                                            <p:cond delay="0"/>
-                                          </p:stCondLst>
-                                        </p:cTn>
-                                        <p:tgtEl>
-                                          <p:spTgt spid="1067011"/>
-                                        </p:tgtEl>
-                                        <p:attrNameLst>
-                                          <p:attrName>style.visibility</p:attrName>
-                                        </p:attrNameLst>
-                                      </p:cBhvr>
-                                      <p:to>
-                                        <p:strVal val="visible"/>
-                                      </p:to>
-                                    </p:set>
-                                    <p:animEffect transition="in" filter="fade">
-                                      <p:cBhvr>
-                                        <p:cTn id="7" dur="500"/>
-                                        <p:tgtEl>
-                                          <p:spTgt spid="1067011"/>
-                                        </p:tgtEl>
-                                      </p:cBhvr>
-                                    </p:animEffect>
-                                  </p:childTnLst>
-                                </p:cTn>
-                              </p:par>
-                            </p:childTnLst>
-                          </p:cTn>
-                        </p:par>
-                      </p:childTnLst>
-                    </p:cTn>
-                  </p:par>
-                </p:childTnLst>
-              </p:cTn>
-              <p:prevCondLst>
-                <p:cond evt="onPrev" delay="0">
-                  <p:tgtEl>
-                    <p:sldTgt/>
-                  </p:tgtEl>
-                </p:cond>
-              </p:prevCondLst>
-              <p:nextCondLst>
-                <p:cond evt="onNext" delay="0">
-                  <p:tgtEl>
-                    <p:sldTgt/>
-                  </p:tgtEl>
-                </p:cond>
-              </p:nextCondLst>
-            </p:seq>
-          </p:childTnLst>
-        </p:cTn>
-      </p:par>
-    </p:tnLst>
-  </p:timing>
 </p:sld>
 </file>
 
